--- a/docs/documentation.pptx
+++ b/docs/documentation.pptx
@@ -104,6 +104,11 @@
       </a:defRPr>
     </a:lvl9pPr>
   </p:defaultTextStyle>
+  <p:extLst>
+    <p:ext uri="{EFAFB233-063F-42B5-8137-9DF3F51BA10A}">
+      <p15:sldGuideLst xmlns:p15="http://schemas.microsoft.com/office/powerpoint/2012/main"/>
+    </p:ext>
+  </p:extLst>
 </p:presentation>
 </file>
 
@@ -256,7 +261,7 @@
           <a:p>
             <a:fld id="{92E621AC-1D83-4E87-98E1-BC32AC5CC9D3}" type="datetimeFigureOut">
               <a:rPr lang="en-CA" smtClean="0"/>
-              <a:t>2024-07-08</a:t>
+              <a:t>2024-07-30</a:t>
             </a:fld>
             <a:endParaRPr lang="en-CA"/>
           </a:p>
@@ -456,7 +461,7 @@
           <a:p>
             <a:fld id="{92E621AC-1D83-4E87-98E1-BC32AC5CC9D3}" type="datetimeFigureOut">
               <a:rPr lang="en-CA" smtClean="0"/>
-              <a:t>2024-07-08</a:t>
+              <a:t>2024-07-30</a:t>
             </a:fld>
             <a:endParaRPr lang="en-CA"/>
           </a:p>
@@ -666,7 +671,7 @@
           <a:p>
             <a:fld id="{92E621AC-1D83-4E87-98E1-BC32AC5CC9D3}" type="datetimeFigureOut">
               <a:rPr lang="en-CA" smtClean="0"/>
-              <a:t>2024-07-08</a:t>
+              <a:t>2024-07-30</a:t>
             </a:fld>
             <a:endParaRPr lang="en-CA"/>
           </a:p>
@@ -866,7 +871,7 @@
           <a:p>
             <a:fld id="{92E621AC-1D83-4E87-98E1-BC32AC5CC9D3}" type="datetimeFigureOut">
               <a:rPr lang="en-CA" smtClean="0"/>
-              <a:t>2024-07-08</a:t>
+              <a:t>2024-07-30</a:t>
             </a:fld>
             <a:endParaRPr lang="en-CA"/>
           </a:p>
@@ -1142,7 +1147,7 @@
           <a:p>
             <a:fld id="{92E621AC-1D83-4E87-98E1-BC32AC5CC9D3}" type="datetimeFigureOut">
               <a:rPr lang="en-CA" smtClean="0"/>
-              <a:t>2024-07-08</a:t>
+              <a:t>2024-07-30</a:t>
             </a:fld>
             <a:endParaRPr lang="en-CA"/>
           </a:p>
@@ -1410,7 +1415,7 @@
           <a:p>
             <a:fld id="{92E621AC-1D83-4E87-98E1-BC32AC5CC9D3}" type="datetimeFigureOut">
               <a:rPr lang="en-CA" smtClean="0"/>
-              <a:t>2024-07-08</a:t>
+              <a:t>2024-07-30</a:t>
             </a:fld>
             <a:endParaRPr lang="en-CA"/>
           </a:p>
@@ -1825,7 +1830,7 @@
           <a:p>
             <a:fld id="{92E621AC-1D83-4E87-98E1-BC32AC5CC9D3}" type="datetimeFigureOut">
               <a:rPr lang="en-CA" smtClean="0"/>
-              <a:t>2024-07-08</a:t>
+              <a:t>2024-07-30</a:t>
             </a:fld>
             <a:endParaRPr lang="en-CA"/>
           </a:p>
@@ -1967,7 +1972,7 @@
           <a:p>
             <a:fld id="{92E621AC-1D83-4E87-98E1-BC32AC5CC9D3}" type="datetimeFigureOut">
               <a:rPr lang="en-CA" smtClean="0"/>
-              <a:t>2024-07-08</a:t>
+              <a:t>2024-07-30</a:t>
             </a:fld>
             <a:endParaRPr lang="en-CA"/>
           </a:p>
@@ -2080,7 +2085,7 @@
           <a:p>
             <a:fld id="{92E621AC-1D83-4E87-98E1-BC32AC5CC9D3}" type="datetimeFigureOut">
               <a:rPr lang="en-CA" smtClean="0"/>
-              <a:t>2024-07-08</a:t>
+              <a:t>2024-07-30</a:t>
             </a:fld>
             <a:endParaRPr lang="en-CA"/>
           </a:p>
@@ -2393,7 +2398,7 @@
           <a:p>
             <a:fld id="{92E621AC-1D83-4E87-98E1-BC32AC5CC9D3}" type="datetimeFigureOut">
               <a:rPr lang="en-CA" smtClean="0"/>
-              <a:t>2024-07-08</a:t>
+              <a:t>2024-07-30</a:t>
             </a:fld>
             <a:endParaRPr lang="en-CA"/>
           </a:p>
@@ -2682,7 +2687,7 @@
           <a:p>
             <a:fld id="{92E621AC-1D83-4E87-98E1-BC32AC5CC9D3}" type="datetimeFigureOut">
               <a:rPr lang="en-CA" smtClean="0"/>
-              <a:t>2024-07-08</a:t>
+              <a:t>2024-07-30</a:t>
             </a:fld>
             <a:endParaRPr lang="en-CA"/>
           </a:p>
@@ -2925,7 +2930,7 @@
           <a:p>
             <a:fld id="{92E621AC-1D83-4E87-98E1-BC32AC5CC9D3}" type="datetimeFigureOut">
               <a:rPr lang="en-CA" smtClean="0"/>
-              <a:t>2024-07-08</a:t>
+              <a:t>2024-07-30</a:t>
             </a:fld>
             <a:endParaRPr lang="en-CA"/>
           </a:p>
@@ -3356,8 +3361,8 @@
         </p:nvSpPr>
         <p:spPr>
           <a:xfrm>
-            <a:off x="4212299" y="466788"/>
-            <a:ext cx="3315457" cy="1580717"/>
+            <a:off x="3864176" y="387752"/>
+            <a:ext cx="4011703" cy="1738789"/>
           </a:xfrm>
           <a:prstGeom prst="rect">
             <a:avLst/>
@@ -3387,7 +3392,53 @@
             </a:r>
             <a:r>
               <a:rPr lang="en-US" b="1" dirty="0"/>
-              <a:t>string</a:t>
+              <a:t>string </a:t>
+            </a:r>
+            <a:r>
+              <a:rPr lang="en-US" dirty="0"/>
+              <a:t>(</a:t>
+            </a:r>
+            <a:r>
+              <a:rPr lang="de-DE" dirty="0"/>
+              <a:t>e.g., „</a:t>
+            </a:r>
+            <a:r>
+              <a:rPr lang="en-US" dirty="0"/>
+              <a:t>Literacy[</a:t>
+            </a:r>
+            <a:r>
+              <a:rPr lang="en-US" dirty="0" err="1"/>
+              <a:t>tiab</a:t>
+            </a:r>
+            <a:r>
+              <a:rPr lang="en-US" dirty="0"/>
+              <a:t>]“)</a:t>
+            </a:r>
+          </a:p>
+          <a:p>
+            <a:r>
+              <a:rPr lang="en-US" dirty="0"/>
+              <a:t>DB/API identifier:</a:t>
+            </a:r>
+          </a:p>
+          <a:p>
+            <a:pPr marL="285750" indent="-285750">
+              <a:buFontTx/>
+              <a:buChar char="-"/>
+            </a:pPr>
+            <a:r>
+              <a:rPr lang="en-US" dirty="0"/>
+              <a:t>Database syntax</a:t>
+            </a:r>
+          </a:p>
+          <a:p>
+            <a:pPr marL="285750" indent="-285750">
+              <a:buFontTx/>
+              <a:buChar char="-"/>
+            </a:pPr>
+            <a:r>
+              <a:rPr lang="en-US" dirty="0"/>
+              <a:t>Search fields</a:t>
             </a:r>
           </a:p>
           <a:p>
@@ -3396,36 +3447,6 @@
               <a:t>Saved in standard JSON</a:t>
             </a:r>
           </a:p>
-          <a:p>
-            <a:r>
-              <a:rPr lang="de-DE" dirty="0"/>
-              <a:t>e.g., „</a:t>
-            </a:r>
-            <a:r>
-              <a:rPr lang="en-US" dirty="0"/>
-              <a:t>Literacy[</a:t>
-            </a:r>
-            <a:r>
-              <a:rPr lang="en-US" dirty="0" err="1"/>
-              <a:t>tiab</a:t>
-            </a:r>
-            <a:r>
-              <a:rPr lang="en-US" dirty="0"/>
-              <a:t>]“</a:t>
-            </a:r>
-          </a:p>
-          <a:p>
-            <a:r>
-              <a:rPr lang="en-US" dirty="0"/>
-              <a:t>DB/API identifier</a:t>
-            </a:r>
-          </a:p>
-          <a:p>
-            <a:r>
-              <a:rPr lang="en-US" dirty="0"/>
-              <a:t>Database syntax, database fields</a:t>
-            </a:r>
-          </a:p>
         </p:txBody>
       </p:sp>
       <p:sp>
@@ -3442,8 +3463,8 @@
         </p:nvSpPr>
         <p:spPr>
           <a:xfrm>
-            <a:off x="4212298" y="5381475"/>
-            <a:ext cx="3315457" cy="901195"/>
+            <a:off x="3864175" y="5367945"/>
+            <a:ext cx="4011703" cy="991315"/>
           </a:xfrm>
           <a:prstGeom prst="rect">
             <a:avLst/>
@@ -3468,15 +3489,19 @@
           <a:lstStyle/>
           <a:p>
             <a:r>
-              <a:rPr lang="en-US" b="1"/>
+              <a:rPr lang="en-US" b="1" dirty="0"/>
               <a:t>Query object</a:t>
             </a:r>
-            <a:br>
-              <a:rPr lang="en-US"/>
-            </a:br>
-            <a:r>
-              <a:rPr lang="en-US"/>
-              <a:t>Standard syntax, standard fields</a:t>
+            <a:endParaRPr lang="en-US" dirty="0"/>
+          </a:p>
+          <a:p>
+            <a:pPr marL="285750" indent="-285750">
+              <a:buFontTx/>
+              <a:buChar char="-"/>
+            </a:pPr>
+            <a:r>
+              <a:rPr lang="en-US" dirty="0"/>
+              <a:t>Standard fields</a:t>
             </a:r>
           </a:p>
         </p:txBody>
@@ -3495,8 +3520,8 @@
         </p:nvSpPr>
         <p:spPr>
           <a:xfrm>
-            <a:off x="1209393" y="2274045"/>
-            <a:ext cx="4011703" cy="2828339"/>
+            <a:off x="493988" y="2274045"/>
+            <a:ext cx="4727109" cy="2828339"/>
           </a:xfrm>
           <a:prstGeom prst="roundRect">
             <a:avLst/>
@@ -3777,8 +3802,8 @@
         </p:nvSpPr>
         <p:spPr>
           <a:xfrm>
-            <a:off x="7968465" y="5172351"/>
-            <a:ext cx="4011703" cy="1319441"/>
+            <a:off x="8269210" y="5203881"/>
+            <a:ext cx="3683473" cy="1319441"/>
           </a:xfrm>
           <a:prstGeom prst="roundRect">
             <a:avLst>
@@ -3839,8 +3864,8 @@
         </p:nvSpPr>
         <p:spPr>
           <a:xfrm>
-            <a:off x="7968466" y="617580"/>
-            <a:ext cx="4011703" cy="1319441"/>
+            <a:off x="8486380" y="597425"/>
+            <a:ext cx="3315457" cy="1319441"/>
           </a:xfrm>
           <a:prstGeom prst="roundRect">
             <a:avLst>
@@ -3924,8 +3949,8 @@
         </p:nvCxnSpPr>
         <p:spPr>
           <a:xfrm flipV="1">
-            <a:off x="7527756" y="1257146"/>
-            <a:ext cx="440710" cy="1"/>
+            <a:off x="7875879" y="1257146"/>
+            <a:ext cx="610501" cy="1"/>
           </a:xfrm>
           <a:prstGeom prst="line">
             <a:avLst/>
@@ -4040,8 +4065,8 @@
         </p:nvCxnSpPr>
         <p:spPr>
           <a:xfrm flipV="1">
-            <a:off x="7527755" y="5832072"/>
-            <a:ext cx="440710" cy="1"/>
+            <a:off x="7875878" y="5863602"/>
+            <a:ext cx="393332" cy="1"/>
           </a:xfrm>
           <a:prstGeom prst="line">
             <a:avLst/>
